--- a/Training_Support/Using_ASM/Great Cow BASIC_ASM_3_ways.pptx
+++ b/Training_Support/Using_ASM/Great Cow BASIC_ASM_3_ways.pptx
@@ -6347,8 +6347,12 @@
           <a:p>
             <a:pPr algn="l"/>
             <a:r>
+              <a:rPr lang="en-GB" dirty="0" smtClean="0"/>
+              <a:t>Compare </a:t>
+            </a:r>
+            <a:r>
               <a:rPr lang="en-GB" smtClean="0"/>
-              <a:t>Compare</a:t>
+              <a:t>ASM methods</a:t>
             </a:r>
             <a:endParaRPr lang="en-GB" dirty="0"/>
           </a:p>
